--- a/01_Einstieg.pptx
+++ b/01_Einstieg.pptx
@@ -5,10 +5,10 @@
     <p:sldMasterId id="2147483686" r:id="rId1"/>
   </p:sldMasterIdLst>
   <p:notesMasterIdLst>
-    <p:notesMasterId r:id="rId13"/>
+    <p:notesMasterId r:id="rId16"/>
   </p:notesMasterIdLst>
   <p:handoutMasterIdLst>
-    <p:handoutMasterId r:id="rId14"/>
+    <p:handoutMasterId r:id="rId17"/>
   </p:handoutMasterIdLst>
   <p:sldIdLst>
     <p:sldId id="635" r:id="rId2"/>
@@ -22,6 +22,9 @@
     <p:sldId id="663" r:id="rId10"/>
     <p:sldId id="664" r:id="rId11"/>
     <p:sldId id="665" r:id="rId12"/>
+    <p:sldId id="666" r:id="rId13"/>
+    <p:sldId id="667" r:id="rId14"/>
+    <p:sldId id="668" r:id="rId15"/>
   </p:sldIdLst>
   <p:sldSz cx="9144000" cy="6858000" type="screen4x3"/>
   <p:notesSz cx="6797675" cy="9926638"/>
@@ -290,7 +293,7 @@
               <a:pPr>
                 <a:defRPr/>
               </a:pPr>
-              <a:t>10.05.2019</a:t>
+              <a:t>15.05.2019</a:t>
             </a:fld>
             <a:endParaRPr lang="de-AT"/>
           </a:p>
@@ -505,7 +508,7 @@
               <a:pPr>
                 <a:defRPr/>
               </a:pPr>
-              <a:t>10.05.2019</a:t>
+              <a:t>15.05.2019</a:t>
             </a:fld>
             <a:endParaRPr lang="de-AT"/>
           </a:p>
@@ -2525,6 +2528,410 @@
 </p:sld>
 </file>
 
+<file path=ppt/slides/slide12.xml><?xml version="1.0" encoding="utf-8"?>
+<p:sld xmlns:a="http://schemas.openxmlformats.org/drawingml/2006/main" xmlns:r="http://schemas.openxmlformats.org/officeDocument/2006/relationships" xmlns:p="http://schemas.openxmlformats.org/presentationml/2006/main">
+  <p:cSld>
+    <p:spTree>
+      <p:nvGrpSpPr>
+        <p:cNvPr id="1" name=""/>
+        <p:cNvGrpSpPr/>
+        <p:nvPr/>
+      </p:nvGrpSpPr>
+      <p:grpSpPr>
+        <a:xfrm>
+          <a:off x="0" y="0"/>
+          <a:ext cx="0" cy="0"/>
+          <a:chOff x="0" y="0"/>
+          <a:chExt cx="0" cy="0"/>
+        </a:xfrm>
+      </p:grpSpPr>
+      <p:sp>
+        <p:nvSpPr>
+          <p:cNvPr id="2" name="Titel 1">
+            <a:extLst>
+              <a:ext uri="{FF2B5EF4-FFF2-40B4-BE49-F238E27FC236}">
+                <a16:creationId xmlns:a16="http://schemas.microsoft.com/office/drawing/2014/main" id="{B3247174-5C45-4B02-93C5-CC6270665AC3}"/>
+              </a:ext>
+            </a:extLst>
+          </p:cNvPr>
+          <p:cNvSpPr>
+            <a:spLocks noGrp="1"/>
+          </p:cNvSpPr>
+          <p:nvPr>
+            <p:ph type="title"/>
+          </p:nvPr>
+        </p:nvSpPr>
+        <p:spPr/>
+        <p:txBody>
+          <a:bodyPr/>
+          <a:lstStyle/>
+          <a:p>
+            <a:r>
+              <a:rPr lang="de-DE" dirty="0" err="1"/>
+              <a:t>EspTime</a:t>
+            </a:r>
+            <a:endParaRPr lang="de-DE" dirty="0"/>
+          </a:p>
+        </p:txBody>
+      </p:sp>
+      <p:sp>
+        <p:nvSpPr>
+          <p:cNvPr id="3" name="Textplatzhalter 2">
+            <a:extLst>
+              <a:ext uri="{FF2B5EF4-FFF2-40B4-BE49-F238E27FC236}">
+                <a16:creationId xmlns:a16="http://schemas.microsoft.com/office/drawing/2014/main" id="{474ABACE-8737-43FC-924D-13808E7340E9}"/>
+              </a:ext>
+            </a:extLst>
+          </p:cNvPr>
+          <p:cNvSpPr>
+            <a:spLocks noGrp="1"/>
+          </p:cNvSpPr>
+          <p:nvPr>
+            <p:ph type="body" sz="quarter" idx="10"/>
+          </p:nvPr>
+        </p:nvSpPr>
+        <p:spPr/>
+        <p:txBody>
+          <a:bodyPr/>
+          <a:lstStyle/>
+          <a:p>
+            <a:endParaRPr lang="de-DE"/>
+          </a:p>
+        </p:txBody>
+      </p:sp>
+    </p:spTree>
+    <p:extLst>
+      <p:ext uri="{BB962C8B-B14F-4D97-AF65-F5344CB8AC3E}">
+        <p14:creationId xmlns:p14="http://schemas.microsoft.com/office/powerpoint/2010/main" val="3587128244"/>
+      </p:ext>
+    </p:extLst>
+  </p:cSld>
+  <p:clrMapOvr>
+    <a:masterClrMapping/>
+  </p:clrMapOvr>
+</p:sld>
+</file>
+
+<file path=ppt/slides/slide13.xml><?xml version="1.0" encoding="utf-8"?>
+<p:sld xmlns:a="http://schemas.openxmlformats.org/drawingml/2006/main" xmlns:r="http://schemas.openxmlformats.org/officeDocument/2006/relationships" xmlns:p="http://schemas.openxmlformats.org/presentationml/2006/main">
+  <p:cSld>
+    <p:spTree>
+      <p:nvGrpSpPr>
+        <p:cNvPr id="1" name=""/>
+        <p:cNvGrpSpPr/>
+        <p:nvPr/>
+      </p:nvGrpSpPr>
+      <p:grpSpPr>
+        <a:xfrm>
+          <a:off x="0" y="0"/>
+          <a:ext cx="0" cy="0"/>
+          <a:chOff x="0" y="0"/>
+          <a:chExt cx="0" cy="0"/>
+        </a:xfrm>
+      </p:grpSpPr>
+      <p:sp>
+        <p:nvSpPr>
+          <p:cNvPr id="2" name="Titel 1">
+            <a:extLst>
+              <a:ext uri="{FF2B5EF4-FFF2-40B4-BE49-F238E27FC236}">
+                <a16:creationId xmlns:a16="http://schemas.microsoft.com/office/drawing/2014/main" id="{30480CDB-44EE-49E6-A625-60AD571536DD}"/>
+              </a:ext>
+            </a:extLst>
+          </p:cNvPr>
+          <p:cNvSpPr>
+            <a:spLocks noGrp="1"/>
+          </p:cNvSpPr>
+          <p:nvPr>
+            <p:ph type="title"/>
+          </p:nvPr>
+        </p:nvSpPr>
+        <p:spPr/>
+        <p:txBody>
+          <a:bodyPr/>
+          <a:lstStyle/>
+          <a:p>
+            <a:r>
+              <a:rPr lang="de-DE" dirty="0" err="1"/>
+              <a:t>EspMqttClient</a:t>
+            </a:r>
+            <a:endParaRPr lang="de-DE" dirty="0"/>
+          </a:p>
+        </p:txBody>
+      </p:sp>
+      <p:sp>
+        <p:nvSpPr>
+          <p:cNvPr id="3" name="Textplatzhalter 2">
+            <a:extLst>
+              <a:ext uri="{FF2B5EF4-FFF2-40B4-BE49-F238E27FC236}">
+                <a16:creationId xmlns:a16="http://schemas.microsoft.com/office/drawing/2014/main" id="{617F4184-A554-4980-9EED-386D4C657320}"/>
+              </a:ext>
+            </a:extLst>
+          </p:cNvPr>
+          <p:cNvSpPr>
+            <a:spLocks noGrp="1"/>
+          </p:cNvSpPr>
+          <p:nvPr>
+            <p:ph type="body" sz="quarter" idx="10"/>
+          </p:nvPr>
+        </p:nvSpPr>
+        <p:spPr>
+          <a:xfrm>
+            <a:off x="251520" y="908720"/>
+            <a:ext cx="8207375" cy="4608165"/>
+          </a:xfrm>
+        </p:spPr>
+        <p:txBody>
+          <a:bodyPr/>
+          <a:lstStyle/>
+          <a:p>
+            <a:r>
+              <a:rPr lang="de-DE" sz="2000" dirty="0"/>
+              <a:t>Basis ist die </a:t>
+            </a:r>
+            <a:r>
+              <a:rPr lang="de-DE" sz="2000" dirty="0" err="1"/>
+              <a:t>Esp</a:t>
+            </a:r>
+            <a:r>
+              <a:rPr lang="de-DE" sz="2000" dirty="0"/>
+              <a:t>-IDF Implementierung</a:t>
+            </a:r>
+          </a:p>
+          <a:p>
+            <a:pPr lvl="1"/>
+            <a:r>
+              <a:rPr lang="de-DE" sz="1800" dirty="0"/>
+              <a:t>Nicht </a:t>
+            </a:r>
+            <a:r>
+              <a:rPr lang="de-DE" sz="1800" dirty="0" err="1"/>
+              <a:t>PubSubClient</a:t>
+            </a:r>
+            <a:endParaRPr lang="de-DE" sz="1800" dirty="0"/>
+          </a:p>
+          <a:p>
+            <a:r>
+              <a:rPr lang="de-DE" sz="2000" dirty="0"/>
+              <a:t>Automatisches </a:t>
+            </a:r>
+            <a:r>
+              <a:rPr lang="de-DE" sz="2000" dirty="0" err="1"/>
+              <a:t>reconnect</a:t>
+            </a:r>
+            <a:r>
+              <a:rPr lang="de-DE" sz="2000" dirty="0"/>
+              <a:t>()</a:t>
+            </a:r>
+          </a:p>
+          <a:p>
+            <a:r>
+              <a:rPr lang="de-DE" sz="2000" dirty="0"/>
+              <a:t>Kein Aufruf in Schleife notwendig</a:t>
+            </a:r>
+          </a:p>
+          <a:p>
+            <a:r>
+              <a:rPr lang="de-DE" sz="2000" dirty="0"/>
+              <a:t>Konfiguration über </a:t>
+            </a:r>
+            <a:r>
+              <a:rPr lang="de-DE" sz="2000" dirty="0" err="1"/>
+              <a:t>EspConfig</a:t>
+            </a:r>
+            <a:endParaRPr lang="de-DE" sz="2000" dirty="0"/>
+          </a:p>
+          <a:p>
+            <a:r>
+              <a:rPr lang="de-DE" sz="2000" dirty="0" err="1"/>
+              <a:t>EspMqttClientTest</a:t>
+            </a:r>
+            <a:endParaRPr lang="de-DE" sz="2000" dirty="0"/>
+          </a:p>
+          <a:p>
+            <a:pPr lvl="1"/>
+            <a:r>
+              <a:rPr lang="de-DE" sz="1800" dirty="0"/>
+              <a:t>Verbindet sich über Station mit </a:t>
+            </a:r>
+            <a:r>
+              <a:rPr lang="de-DE" sz="1800" dirty="0" err="1"/>
+              <a:t>MqttBroker</a:t>
+            </a:r>
+            <a:endParaRPr lang="de-DE" sz="1800" dirty="0"/>
+          </a:p>
+          <a:p>
+            <a:pPr lvl="2"/>
+            <a:r>
+              <a:rPr lang="de-DE" sz="1800" dirty="0"/>
+              <a:t>Zugangsdaten über </a:t>
+            </a:r>
+            <a:r>
+              <a:rPr lang="de-DE" sz="1800" dirty="0" err="1"/>
+              <a:t>Config</a:t>
+            </a:r>
+            <a:endParaRPr lang="de-DE" sz="1800" dirty="0"/>
+          </a:p>
+          <a:p>
+            <a:pPr lvl="2"/>
+            <a:r>
+              <a:rPr lang="de-DE" sz="1800" dirty="0"/>
+              <a:t>Kontrolle über </a:t>
+            </a:r>
+            <a:r>
+              <a:rPr lang="de-DE" sz="1800" dirty="0" err="1"/>
+              <a:t>MqttFx</a:t>
+            </a:r>
+            <a:endParaRPr lang="de-DE" sz="1800" dirty="0"/>
+          </a:p>
+          <a:p>
+            <a:pPr lvl="1"/>
+            <a:r>
+              <a:rPr lang="de-DE" sz="2000" dirty="0"/>
+              <a:t>Wenn Verbindung hängt </a:t>
+            </a:r>
+            <a:r>
+              <a:rPr lang="de-DE" sz="2000" dirty="0">
+                <a:sym typeface="Wingdings" panose="05000000000000000000" pitchFamily="2" charset="2"/>
+              </a:rPr>
+              <a:t> </a:t>
+            </a:r>
+            <a:r>
+              <a:rPr lang="de-DE" sz="2000" dirty="0" err="1">
+                <a:sym typeface="Wingdings" panose="05000000000000000000" pitchFamily="2" charset="2"/>
+              </a:rPr>
+              <a:t>Reset</a:t>
+            </a:r>
+            <a:endParaRPr lang="de-DE" sz="2000" dirty="0"/>
+          </a:p>
+          <a:p>
+            <a:pPr lvl="1"/>
+            <a:endParaRPr lang="de-DE" sz="1800" dirty="0"/>
+          </a:p>
+        </p:txBody>
+      </p:sp>
+      <p:pic>
+        <p:nvPicPr>
+          <p:cNvPr id="4" name="Grafik 3">
+            <a:extLst>
+              <a:ext uri="{FF2B5EF4-FFF2-40B4-BE49-F238E27FC236}">
+                <a16:creationId xmlns:a16="http://schemas.microsoft.com/office/drawing/2014/main" id="{FE61D787-4AA3-4E61-9382-209D49BCA8F8}"/>
+              </a:ext>
+            </a:extLst>
+          </p:cNvPr>
+          <p:cNvPicPr>
+            <a:picLocks noChangeAspect="1"/>
+          </p:cNvPicPr>
+          <p:nvPr/>
+        </p:nvPicPr>
+        <p:blipFill>
+          <a:blip r:embed="rId2"/>
+          <a:stretch>
+            <a:fillRect/>
+          </a:stretch>
+        </p:blipFill>
+        <p:spPr>
+          <a:xfrm>
+            <a:off x="611560" y="4709295"/>
+            <a:ext cx="8411749" cy="1590897"/>
+          </a:xfrm>
+          <a:prstGeom prst="rect">
+            <a:avLst/>
+          </a:prstGeom>
+        </p:spPr>
+      </p:pic>
+    </p:spTree>
+    <p:extLst>
+      <p:ext uri="{BB962C8B-B14F-4D97-AF65-F5344CB8AC3E}">
+        <p14:creationId xmlns:p14="http://schemas.microsoft.com/office/powerpoint/2010/main" val="2030819705"/>
+      </p:ext>
+    </p:extLst>
+  </p:cSld>
+  <p:clrMapOvr>
+    <a:masterClrMapping/>
+  </p:clrMapOvr>
+</p:sld>
+</file>
+
+<file path=ppt/slides/slide14.xml><?xml version="1.0" encoding="utf-8"?>
+<p:sld xmlns:a="http://schemas.openxmlformats.org/drawingml/2006/main" xmlns:r="http://schemas.openxmlformats.org/officeDocument/2006/relationships" xmlns:p="http://schemas.openxmlformats.org/presentationml/2006/main">
+  <p:cSld>
+    <p:spTree>
+      <p:nvGrpSpPr>
+        <p:cNvPr id="1" name=""/>
+        <p:cNvGrpSpPr/>
+        <p:nvPr/>
+      </p:nvGrpSpPr>
+      <p:grpSpPr>
+        <a:xfrm>
+          <a:off x="0" y="0"/>
+          <a:ext cx="0" cy="0"/>
+          <a:chOff x="0" y="0"/>
+          <a:chExt cx="0" cy="0"/>
+        </a:xfrm>
+      </p:grpSpPr>
+      <p:sp>
+        <p:nvSpPr>
+          <p:cNvPr id="2" name="Titel 1">
+            <a:extLst>
+              <a:ext uri="{FF2B5EF4-FFF2-40B4-BE49-F238E27FC236}">
+                <a16:creationId xmlns:a16="http://schemas.microsoft.com/office/drawing/2014/main" id="{FB24BB10-B198-4392-B88D-C2DFE62CE2A6}"/>
+              </a:ext>
+            </a:extLst>
+          </p:cNvPr>
+          <p:cNvSpPr>
+            <a:spLocks noGrp="1"/>
+          </p:cNvSpPr>
+          <p:nvPr>
+            <p:ph type="title"/>
+          </p:nvPr>
+        </p:nvSpPr>
+        <p:spPr/>
+        <p:txBody>
+          <a:bodyPr/>
+          <a:lstStyle/>
+          <a:p>
+            <a:endParaRPr lang="de-DE"/>
+          </a:p>
+        </p:txBody>
+      </p:sp>
+      <p:sp>
+        <p:nvSpPr>
+          <p:cNvPr id="3" name="Textplatzhalter 2">
+            <a:extLst>
+              <a:ext uri="{FF2B5EF4-FFF2-40B4-BE49-F238E27FC236}">
+                <a16:creationId xmlns:a16="http://schemas.microsoft.com/office/drawing/2014/main" id="{DD794DA2-2E1F-4460-B257-5591A745A2C0}"/>
+              </a:ext>
+            </a:extLst>
+          </p:cNvPr>
+          <p:cNvSpPr>
+            <a:spLocks noGrp="1"/>
+          </p:cNvSpPr>
+          <p:nvPr>
+            <p:ph type="body" sz="quarter" idx="10"/>
+          </p:nvPr>
+        </p:nvSpPr>
+        <p:spPr/>
+        <p:txBody>
+          <a:bodyPr/>
+          <a:lstStyle/>
+          <a:p>
+            <a:endParaRPr lang="de-DE"/>
+          </a:p>
+        </p:txBody>
+      </p:sp>
+    </p:spTree>
+    <p:extLst>
+      <p:ext uri="{BB962C8B-B14F-4D97-AF65-F5344CB8AC3E}">
+        <p14:creationId xmlns:p14="http://schemas.microsoft.com/office/powerpoint/2010/main" val="1690114067"/>
+      </p:ext>
+    </p:extLst>
+  </p:cSld>
+  <p:clrMapOvr>
+    <a:masterClrMapping/>
+  </p:clrMapOvr>
+</p:sld>
+</file>
+
 <file path=ppt/slides/slide2.xml><?xml version="1.0" encoding="utf-8"?>
 <p:sld xmlns:a="http://schemas.openxmlformats.org/drawingml/2006/main" xmlns:r="http://schemas.openxmlformats.org/officeDocument/2006/relationships" xmlns:p="http://schemas.openxmlformats.org/presentationml/2006/main">
   <p:cSld>
@@ -2597,113 +3004,253 @@
           <a:lstStyle/>
           <a:p>
             <a:r>
-              <a:rPr lang="de-DE" sz="2400" dirty="0"/>
+              <a:rPr lang="de-DE" sz="1400" dirty="0"/>
               <a:t>Logger hat keine Abhängigkeiten</a:t>
             </a:r>
           </a:p>
           <a:p>
             <a:r>
-              <a:rPr lang="de-DE" sz="2400" dirty="0" err="1"/>
+              <a:rPr lang="de-DE" sz="1400" dirty="0" err="1"/>
+              <a:t>SerialLoggerTarget</a:t>
+            </a:r>
+            <a:r>
+              <a:rPr lang="de-DE" sz="1400" dirty="0"/>
+              <a:t> als erstes </a:t>
+            </a:r>
+            <a:r>
+              <a:rPr lang="de-DE" sz="1400" dirty="0" err="1"/>
+              <a:t>Loggingziel</a:t>
+            </a:r>
+            <a:endParaRPr lang="de-DE" sz="1400" dirty="0"/>
+          </a:p>
+          <a:p>
+            <a:r>
+              <a:rPr lang="de-DE" sz="1400" dirty="0" err="1"/>
               <a:t>EspAp</a:t>
             </a:r>
-            <a:endParaRPr lang="de-DE" sz="2400" dirty="0"/>
+            <a:endParaRPr lang="de-DE" sz="1400" dirty="0"/>
           </a:p>
           <a:p>
             <a:pPr lvl="1"/>
             <a:r>
-              <a:rPr lang="de-DE" sz="2000" dirty="0"/>
+              <a:rPr lang="de-DE" sz="1200" dirty="0"/>
               <a:t>Logger</a:t>
             </a:r>
           </a:p>
           <a:p>
             <a:r>
-              <a:rPr lang="de-DE" sz="2400" dirty="0" err="1"/>
+              <a:rPr lang="de-DE" sz="1400" dirty="0" err="1"/>
               <a:t>HttpServer</a:t>
             </a:r>
-            <a:endParaRPr lang="de-DE" sz="2400" dirty="0"/>
+            <a:endParaRPr lang="de-DE" sz="1400" dirty="0"/>
           </a:p>
           <a:p>
             <a:pPr lvl="1"/>
             <a:r>
-              <a:rPr lang="de-DE" sz="2000" dirty="0" err="1"/>
+              <a:rPr lang="de-DE" sz="1200" dirty="0" err="1"/>
               <a:t>EspStation</a:t>
             </a:r>
             <a:r>
-              <a:rPr lang="de-DE" sz="2000" dirty="0"/>
+              <a:rPr lang="de-DE" sz="1200" dirty="0"/>
               <a:t> oder </a:t>
             </a:r>
             <a:r>
-              <a:rPr lang="de-DE" sz="2000" dirty="0" err="1"/>
+              <a:rPr lang="de-DE" sz="1200" dirty="0" err="1"/>
               <a:t>EspAp</a:t>
             </a:r>
             <a:r>
-              <a:rPr lang="de-DE" sz="2000" dirty="0"/>
+              <a:rPr lang="de-DE" sz="1200" dirty="0"/>
               <a:t> als IP-Basis</a:t>
             </a:r>
           </a:p>
           <a:p>
             <a:r>
-              <a:rPr lang="de-DE" sz="2400" dirty="0" err="1"/>
+              <a:rPr lang="de-DE" sz="1400" dirty="0" err="1"/>
               <a:t>EspConfig</a:t>
             </a:r>
-            <a:endParaRPr lang="de-DE" sz="2400" dirty="0"/>
+            <a:endParaRPr lang="de-DE" sz="1400" dirty="0"/>
           </a:p>
           <a:p>
             <a:pPr lvl="1"/>
             <a:r>
-              <a:rPr lang="de-DE" sz="2000" dirty="0" err="1"/>
+              <a:rPr lang="de-DE" sz="1200" dirty="0" err="1"/>
               <a:t>HttpServer</a:t>
             </a:r>
             <a:r>
-              <a:rPr lang="de-DE" sz="2000" dirty="0"/>
+              <a:rPr lang="de-DE" sz="1200" dirty="0"/>
               <a:t> zum Setzen der </a:t>
             </a:r>
             <a:r>
-              <a:rPr lang="de-DE" sz="2000" dirty="0" err="1"/>
+              <a:rPr lang="de-DE" sz="1200" dirty="0" err="1"/>
               <a:t>Config</a:t>
             </a:r>
             <a:r>
-              <a:rPr lang="de-DE" sz="2000" dirty="0"/>
+              <a:rPr lang="de-DE" sz="1200" dirty="0"/>
               <a:t>-Values</a:t>
             </a:r>
           </a:p>
           <a:p>
             <a:r>
-              <a:rPr lang="de-DE" sz="2400" dirty="0"/>
+              <a:rPr lang="de-DE" sz="1400" dirty="0"/>
               <a:t>ESP32 als Station</a:t>
             </a:r>
           </a:p>
           <a:p>
             <a:pPr lvl="1"/>
             <a:r>
-              <a:rPr lang="de-DE" sz="2000" dirty="0" err="1"/>
+              <a:rPr lang="de-DE" sz="1200" dirty="0" err="1"/>
               <a:t>EspConfig</a:t>
             </a:r>
             <a:r>
-              <a:rPr lang="de-DE" sz="2000" dirty="0"/>
+              <a:rPr lang="de-DE" sz="1200" dirty="0"/>
               <a:t> für </a:t>
             </a:r>
             <a:r>
-              <a:rPr lang="de-DE" sz="2000" dirty="0" err="1"/>
+              <a:rPr lang="de-DE" sz="1200" dirty="0" err="1"/>
               <a:t>ssid</a:t>
             </a:r>
             <a:r>
-              <a:rPr lang="de-DE" sz="2000" dirty="0"/>
+              <a:rPr lang="de-DE" sz="1200" dirty="0"/>
               <a:t>/</a:t>
             </a:r>
             <a:r>
-              <a:rPr lang="de-DE" sz="2000" dirty="0" err="1"/>
+              <a:rPr lang="de-DE" sz="1200" dirty="0" err="1"/>
               <a:t>password</a:t>
             </a:r>
-            <a:endParaRPr lang="de-DE" sz="2000" dirty="0"/>
+            <a:endParaRPr lang="de-DE" sz="1200" dirty="0"/>
+          </a:p>
+          <a:p>
+            <a:r>
+              <a:rPr lang="de-DE" sz="1400" dirty="0" err="1"/>
+              <a:t>EspTime</a:t>
+            </a:r>
+            <a:r>
+              <a:rPr lang="de-DE" sz="1400" dirty="0"/>
+              <a:t> synchronisiert über NTP</a:t>
+            </a:r>
           </a:p>
           <a:p>
             <a:pPr lvl="1"/>
-            <a:endParaRPr lang="de-DE" sz="2000" dirty="0"/>
+            <a:r>
+              <a:rPr lang="de-DE" sz="1200" dirty="0" err="1"/>
+              <a:t>EspStation</a:t>
+            </a:r>
+            <a:r>
+              <a:rPr lang="de-DE" sz="1200" dirty="0"/>
+              <a:t> für Internetverbindung</a:t>
+            </a:r>
           </a:p>
           <a:p>
             <a:pPr lvl="1"/>
-            <a:endParaRPr lang="de-DE" sz="2000" dirty="0"/>
+            <a:r>
+              <a:rPr lang="de-DE" sz="1200" dirty="0" err="1"/>
+              <a:t>EspConfig</a:t>
+            </a:r>
+            <a:r>
+              <a:rPr lang="de-DE" sz="1200" dirty="0"/>
+              <a:t> für den Server</a:t>
+            </a:r>
+          </a:p>
+          <a:p>
+            <a:r>
+              <a:rPr lang="de-DE" sz="1400" dirty="0" err="1"/>
+              <a:t>EspMqttClient</a:t>
+            </a:r>
+            <a:endParaRPr lang="de-DE" sz="1400" dirty="0"/>
+          </a:p>
+          <a:p>
+            <a:pPr lvl="1"/>
+            <a:r>
+              <a:rPr lang="de-DE" sz="1200" dirty="0" err="1"/>
+              <a:t>EspStation</a:t>
+            </a:r>
+            <a:r>
+              <a:rPr lang="de-DE" sz="1200" dirty="0"/>
+              <a:t>, </a:t>
+            </a:r>
+            <a:r>
+              <a:rPr lang="de-DE" sz="1200" dirty="0" err="1"/>
+              <a:t>EspConfig</a:t>
+            </a:r>
+            <a:r>
+              <a:rPr lang="de-DE" sz="1200" dirty="0"/>
+              <a:t>, </a:t>
+            </a:r>
+            <a:r>
+              <a:rPr lang="de-DE" sz="1200" dirty="0" err="1"/>
+              <a:t>HttpServer</a:t>
+            </a:r>
+            <a:r>
+              <a:rPr lang="de-DE" sz="1200" dirty="0"/>
+              <a:t> für eigene Route</a:t>
+            </a:r>
+          </a:p>
+          <a:p>
+            <a:r>
+              <a:rPr lang="de-DE" sz="1400" dirty="0" err="1"/>
+              <a:t>SystemService</a:t>
+            </a:r>
+            <a:r>
+              <a:rPr lang="de-DE" sz="1400" dirty="0"/>
+              <a:t> mit </a:t>
+            </a:r>
+            <a:r>
+              <a:rPr lang="de-DE" sz="1400" dirty="0" err="1"/>
+              <a:t>WatchDog</a:t>
+            </a:r>
+            <a:endParaRPr lang="de-DE" sz="1400" dirty="0"/>
+          </a:p>
+          <a:p>
+            <a:pPr lvl="1"/>
+            <a:endParaRPr lang="de-DE" sz="1200" dirty="0"/>
+          </a:p>
+          <a:p>
+            <a:r>
+              <a:rPr lang="de-DE" sz="1400" dirty="0" err="1"/>
+              <a:t>EspUdp</a:t>
+            </a:r>
+            <a:endParaRPr lang="de-DE" sz="1400" dirty="0"/>
+          </a:p>
+          <a:p>
+            <a:pPr lvl="1"/>
+            <a:r>
+              <a:rPr lang="de-DE" sz="1200" dirty="0" err="1"/>
+              <a:t>EspStation</a:t>
+            </a:r>
+            <a:r>
+              <a:rPr lang="de-DE" sz="1200" dirty="0"/>
+              <a:t> für Netzwerk</a:t>
+            </a:r>
+          </a:p>
+          <a:p>
+            <a:r>
+              <a:rPr lang="de-DE" sz="1400" dirty="0" err="1"/>
+              <a:t>UdpLoggerTarget</a:t>
+            </a:r>
+            <a:r>
+              <a:rPr lang="de-DE" sz="1400" dirty="0"/>
+              <a:t> und Python-Testprogramm</a:t>
+            </a:r>
+          </a:p>
+          <a:p>
+            <a:pPr lvl="1"/>
+            <a:r>
+              <a:rPr lang="de-DE" sz="1200" dirty="0" err="1"/>
+              <a:t>EspUdp</a:t>
+            </a:r>
+            <a:endParaRPr lang="de-DE" sz="1200" dirty="0"/>
+          </a:p>
+          <a:p>
+            <a:pPr lvl="1"/>
+            <a:endParaRPr lang="de-DE" sz="1200" dirty="0"/>
+          </a:p>
+          <a:p>
+            <a:pPr lvl="1"/>
+            <a:endParaRPr lang="de-DE" sz="1200" dirty="0"/>
+          </a:p>
+          <a:p>
+            <a:pPr lvl="1"/>
+            <a:endParaRPr lang="de-DE" sz="1200" dirty="0"/>
           </a:p>
         </p:txBody>
       </p:sp>
